--- a/기획서/꼬마 마녀의 무모한 모험 UI.pptx
+++ b/기획서/꼬마 마녀의 무모한 모험 UI.pptx
@@ -11655,7 +11655,7 @@
         </p:blipFill>
         <p:spPr bwMode="auto">
           <a:xfrm>
-            <a:off x="980529" y="2920655"/>
+            <a:off x="899592" y="2852804"/>
             <a:ext cx="495127" cy="576195"/>
           </a:xfrm>
           <a:prstGeom prst="rect">
@@ -11696,7 +11696,7 @@
         </p:blipFill>
         <p:spPr bwMode="auto">
           <a:xfrm>
-            <a:off x="1475656" y="2920655"/>
+            <a:off x="1403648" y="2852804"/>
             <a:ext cx="495127" cy="576196"/>
           </a:xfrm>
           <a:prstGeom prst="rect">
@@ -11722,7 +11722,7 @@
         </p:nvSpPr>
         <p:spPr>
           <a:xfrm>
-            <a:off x="1115616" y="3573016"/>
+            <a:off x="1043608" y="3429000"/>
             <a:ext cx="782180" cy="499898"/>
           </a:xfrm>
           <a:prstGeom prst="ellipse">
@@ -11766,7 +11766,7 @@
         </p:nvSpPr>
         <p:spPr>
           <a:xfrm>
-            <a:off x="1331640" y="4149080"/>
+            <a:off x="1043608" y="4005064"/>
             <a:ext cx="687876" cy="499898"/>
           </a:xfrm>
           <a:prstGeom prst="ellipse">
@@ -11810,7 +11810,7 @@
         </p:nvSpPr>
         <p:spPr>
           <a:xfrm>
-            <a:off x="2123728" y="4149080"/>
+            <a:off x="1835696" y="4005064"/>
             <a:ext cx="687876" cy="499898"/>
           </a:xfrm>
           <a:prstGeom prst="ellipse">
@@ -12255,7 +12255,7 @@
         </p:nvSpPr>
         <p:spPr>
           <a:xfrm>
-            <a:off x="2948020" y="4149080"/>
+            <a:off x="2659988" y="4005064"/>
             <a:ext cx="687876" cy="499898"/>
           </a:xfrm>
           <a:prstGeom prst="ellipse">
@@ -12506,8 +12506,8 @@
         </p:nvSpPr>
         <p:spPr>
           <a:xfrm>
-            <a:off x="2058681" y="2958738"/>
-            <a:ext cx="1505207" cy="1114176"/>
+            <a:off x="1907705" y="2818880"/>
+            <a:ext cx="1324527" cy="1114176"/>
           </a:xfrm>
           <a:prstGeom prst="rect">
             <a:avLst/>
@@ -12978,7 +12978,7 @@
         </p:nvSpPr>
         <p:spPr>
           <a:xfrm>
-            <a:off x="2267744" y="4797152"/>
+            <a:off x="3506138" y="3320988"/>
             <a:ext cx="252028" cy="216024"/>
           </a:xfrm>
           <a:prstGeom prst="rect">
@@ -13022,8 +13022,8 @@
         </p:nvSpPr>
         <p:spPr>
           <a:xfrm>
-            <a:off x="1331640" y="4797152"/>
-            <a:ext cx="844282" cy="216024"/>
+            <a:off x="3335118" y="2852936"/>
+            <a:ext cx="444794" cy="371175"/>
           </a:xfrm>
           <a:prstGeom prst="rect">
             <a:avLst/>
@@ -13051,10 +13051,10 @@
           <a:p>
             <a:pPr algn="ctr"/>
             <a:r>
-              <a:rPr lang="ko-KR" altLang="en-US" sz="1000" smtClean="0"/>
+              <a:rPr lang="ko-KR" altLang="en-US" sz="1000" dirty="0" smtClean="0"/>
               <a:t>게임속도</a:t>
             </a:r>
-            <a:endParaRPr lang="ko-KR" altLang="en-US" sz="1000"/>
+            <a:endParaRPr lang="ko-KR" altLang="en-US" sz="1000" dirty="0"/>
           </a:p>
         </p:txBody>
       </p:sp>
@@ -13066,7 +13066,7 @@
         </p:nvSpPr>
         <p:spPr>
           <a:xfrm>
-            <a:off x="2591780" y="4797152"/>
+            <a:off x="3506138" y="3573016"/>
             <a:ext cx="252028" cy="216024"/>
           </a:xfrm>
           <a:prstGeom prst="rect">
@@ -13110,7 +13110,7 @@
         </p:nvSpPr>
         <p:spPr>
           <a:xfrm>
-            <a:off x="2913720" y="4797152"/>
+            <a:off x="3506138" y="3825044"/>
             <a:ext cx="252028" cy="216024"/>
           </a:xfrm>
           <a:prstGeom prst="rect">
@@ -13154,7 +13154,7 @@
         </p:nvSpPr>
         <p:spPr>
           <a:xfrm>
-            <a:off x="3232232" y="4797152"/>
+            <a:off x="3506138" y="4077072"/>
             <a:ext cx="252028" cy="216024"/>
           </a:xfrm>
           <a:prstGeom prst="rect">
@@ -13187,6 +13187,53 @@
               <a:t>4</a:t>
             </a:r>
             <a:endParaRPr lang="ko-KR" altLang="en-US" sz="1200" dirty="0"/>
+          </a:p>
+        </p:txBody>
+      </p:sp>
+      <p:sp>
+        <p:nvSpPr>
+          <p:cNvPr id="3" name="직사각형 2"/>
+          <p:cNvSpPr/>
+          <p:nvPr/>
+        </p:nvSpPr>
+        <p:spPr>
+          <a:xfrm>
+            <a:off x="937692" y="4622656"/>
+            <a:ext cx="2880320" cy="432048"/>
+          </a:xfrm>
+          <a:prstGeom prst="rect">
+            <a:avLst/>
+          </a:prstGeom>
+        </p:spPr>
+        <p:style>
+          <a:lnRef idx="2">
+            <a:schemeClr val="accent3">
+              <a:shade val="50000"/>
+            </a:schemeClr>
+          </a:lnRef>
+          <a:fillRef idx="1">
+            <a:schemeClr val="accent3"/>
+          </a:fillRef>
+          <a:effectRef idx="0">
+            <a:schemeClr val="accent3"/>
+          </a:effectRef>
+          <a:fontRef idx="minor">
+            <a:schemeClr val="lt1"/>
+          </a:fontRef>
+        </p:style>
+        <p:txBody>
+          <a:bodyPr rtlCol="0" anchor="ctr"/>
+          <a:lstStyle/>
+          <a:p>
+            <a:pPr algn="ctr"/>
+            <a:r>
+              <a:rPr lang="ko-KR" altLang="en-US" dirty="0" smtClean="0"/>
+              <a:t>광고배</a:t>
+            </a:r>
+            <a:r>
+              <a:rPr lang="ko-KR" altLang="en-US" dirty="0"/>
+              <a:t>너</a:t>
+            </a:r>
           </a:p>
         </p:txBody>
       </p:sp>

--- a/기획서/꼬마 마녀의 무모한 모험 UI.pptx
+++ b/기획서/꼬마 마녀의 무모한 모험 UI.pptx
@@ -11655,7 +11655,7 @@
         </p:blipFill>
         <p:spPr bwMode="auto">
           <a:xfrm>
-            <a:off x="899592" y="2852804"/>
+            <a:off x="980529" y="2920655"/>
             <a:ext cx="495127" cy="576195"/>
           </a:xfrm>
           <a:prstGeom prst="rect">
@@ -11696,7 +11696,7 @@
         </p:blipFill>
         <p:spPr bwMode="auto">
           <a:xfrm>
-            <a:off x="1403648" y="2852804"/>
+            <a:off x="1475656" y="2920655"/>
             <a:ext cx="495127" cy="576196"/>
           </a:xfrm>
           <a:prstGeom prst="rect">
@@ -11722,7 +11722,7 @@
         </p:nvSpPr>
         <p:spPr>
           <a:xfrm>
-            <a:off x="1043608" y="3429000"/>
+            <a:off x="1115616" y="3573016"/>
             <a:ext cx="782180" cy="499898"/>
           </a:xfrm>
           <a:prstGeom prst="ellipse">
@@ -11766,7 +11766,7 @@
         </p:nvSpPr>
         <p:spPr>
           <a:xfrm>
-            <a:off x="1043608" y="4005064"/>
+            <a:off x="1331640" y="4149080"/>
             <a:ext cx="687876" cy="499898"/>
           </a:xfrm>
           <a:prstGeom prst="ellipse">
@@ -11810,7 +11810,7 @@
         </p:nvSpPr>
         <p:spPr>
           <a:xfrm>
-            <a:off x="1835696" y="4005064"/>
+            <a:off x="2123728" y="4149080"/>
             <a:ext cx="687876" cy="499898"/>
           </a:xfrm>
           <a:prstGeom prst="ellipse">
@@ -12255,7 +12255,7 @@
         </p:nvSpPr>
         <p:spPr>
           <a:xfrm>
-            <a:off x="2659988" y="4005064"/>
+            <a:off x="2948020" y="4149080"/>
             <a:ext cx="687876" cy="499898"/>
           </a:xfrm>
           <a:prstGeom prst="ellipse">
@@ -12506,8 +12506,8 @@
         </p:nvSpPr>
         <p:spPr>
           <a:xfrm>
-            <a:off x="1907705" y="2818880"/>
-            <a:ext cx="1324527" cy="1114176"/>
+            <a:off x="2058681" y="2958738"/>
+            <a:ext cx="1505207" cy="1114176"/>
           </a:xfrm>
           <a:prstGeom prst="rect">
             <a:avLst/>
@@ -12978,7 +12978,7 @@
         </p:nvSpPr>
         <p:spPr>
           <a:xfrm>
-            <a:off x="3506138" y="3320988"/>
+            <a:off x="2267744" y="4797152"/>
             <a:ext cx="252028" cy="216024"/>
           </a:xfrm>
           <a:prstGeom prst="rect">
@@ -13022,8 +13022,8 @@
         </p:nvSpPr>
         <p:spPr>
           <a:xfrm>
-            <a:off x="3335118" y="2852936"/>
-            <a:ext cx="444794" cy="371175"/>
+            <a:off x="1331640" y="4797152"/>
+            <a:ext cx="844282" cy="216024"/>
           </a:xfrm>
           <a:prstGeom prst="rect">
             <a:avLst/>
@@ -13051,10 +13051,10 @@
           <a:p>
             <a:pPr algn="ctr"/>
             <a:r>
-              <a:rPr lang="ko-KR" altLang="en-US" sz="1000" dirty="0" smtClean="0"/>
+              <a:rPr lang="ko-KR" altLang="en-US" sz="1000" smtClean="0"/>
               <a:t>게임속도</a:t>
             </a:r>
-            <a:endParaRPr lang="ko-KR" altLang="en-US" sz="1000" dirty="0"/>
+            <a:endParaRPr lang="ko-KR" altLang="en-US" sz="1000"/>
           </a:p>
         </p:txBody>
       </p:sp>
@@ -13066,7 +13066,7 @@
         </p:nvSpPr>
         <p:spPr>
           <a:xfrm>
-            <a:off x="3506138" y="3573016"/>
+            <a:off x="2591780" y="4797152"/>
             <a:ext cx="252028" cy="216024"/>
           </a:xfrm>
           <a:prstGeom prst="rect">
@@ -13110,7 +13110,7 @@
         </p:nvSpPr>
         <p:spPr>
           <a:xfrm>
-            <a:off x="3506138" y="3825044"/>
+            <a:off x="2913720" y="4797152"/>
             <a:ext cx="252028" cy="216024"/>
           </a:xfrm>
           <a:prstGeom prst="rect">
@@ -13154,7 +13154,7 @@
         </p:nvSpPr>
         <p:spPr>
           <a:xfrm>
-            <a:off x="3506138" y="4077072"/>
+            <a:off x="3232232" y="4797152"/>
             <a:ext cx="252028" cy="216024"/>
           </a:xfrm>
           <a:prstGeom prst="rect">
@@ -13187,53 +13187,6 @@
               <a:t>4</a:t>
             </a:r>
             <a:endParaRPr lang="ko-KR" altLang="en-US" sz="1200" dirty="0"/>
-          </a:p>
-        </p:txBody>
-      </p:sp>
-      <p:sp>
-        <p:nvSpPr>
-          <p:cNvPr id="3" name="직사각형 2"/>
-          <p:cNvSpPr/>
-          <p:nvPr/>
-        </p:nvSpPr>
-        <p:spPr>
-          <a:xfrm>
-            <a:off x="937692" y="4622656"/>
-            <a:ext cx="2880320" cy="432048"/>
-          </a:xfrm>
-          <a:prstGeom prst="rect">
-            <a:avLst/>
-          </a:prstGeom>
-        </p:spPr>
-        <p:style>
-          <a:lnRef idx="2">
-            <a:schemeClr val="accent3">
-              <a:shade val="50000"/>
-            </a:schemeClr>
-          </a:lnRef>
-          <a:fillRef idx="1">
-            <a:schemeClr val="accent3"/>
-          </a:fillRef>
-          <a:effectRef idx="0">
-            <a:schemeClr val="accent3"/>
-          </a:effectRef>
-          <a:fontRef idx="minor">
-            <a:schemeClr val="lt1"/>
-          </a:fontRef>
-        </p:style>
-        <p:txBody>
-          <a:bodyPr rtlCol="0" anchor="ctr"/>
-          <a:lstStyle/>
-          <a:p>
-            <a:pPr algn="ctr"/>
-            <a:r>
-              <a:rPr lang="ko-KR" altLang="en-US" dirty="0" smtClean="0"/>
-              <a:t>광고배</a:t>
-            </a:r>
-            <a:r>
-              <a:rPr lang="ko-KR" altLang="en-US" dirty="0"/>
-              <a:t>너</a:t>
-            </a:r>
           </a:p>
         </p:txBody>
       </p:sp>
